--- a/Employee_Contact_management_POC/EMPLOYEE CONTACT MANAGEMENT SYSTEM.pptx
+++ b/Employee_Contact_management_POC/EMPLOYEE CONTACT MANAGEMENT SYSTEM.pptx
@@ -1020,7 +1020,7 @@
           <a:p>
             <a:fld id="{BD8DE5F0-F600-46C3-AE4D-5148C69FFBAD}" type="datetimeFigureOut">
               <a:rPr lang="en-US" smtClean="0"/>
-              <a:t>9/8/2025</a:t>
+              <a:t>9/10/2025</a:t>
             </a:fld>
             <a:endParaRPr lang="en-US"/>
           </a:p>
@@ -1518,7 +1518,7 @@
           <a:p>
             <a:fld id="{8CFBE4D0-E68C-4FB2-8B3A-AA41DAF039F9}" type="datetimeFigureOut">
               <a:rPr lang="en-US" smtClean="0"/>
-              <a:t>9/8/2025</a:t>
+              <a:t>9/10/2025</a:t>
             </a:fld>
             <a:endParaRPr lang="en-US"/>
           </a:p>
@@ -1716,7 +1716,7 @@
           <a:p>
             <a:fld id="{8CFBE4D0-E68C-4FB2-8B3A-AA41DAF039F9}" type="datetimeFigureOut">
               <a:rPr lang="en-US" smtClean="0"/>
-              <a:t>9/8/2025</a:t>
+              <a:t>9/10/2025</a:t>
             </a:fld>
             <a:endParaRPr lang="en-US"/>
           </a:p>
@@ -1924,7 +1924,7 @@
           <a:p>
             <a:fld id="{8CFBE4D0-E68C-4FB2-8B3A-AA41DAF039F9}" type="datetimeFigureOut">
               <a:rPr lang="en-US" smtClean="0"/>
-              <a:t>9/8/2025</a:t>
+              <a:t>9/10/2025</a:t>
             </a:fld>
             <a:endParaRPr lang="en-US"/>
           </a:p>
@@ -2122,7 +2122,7 @@
           <a:p>
             <a:fld id="{8CFBE4D0-E68C-4FB2-8B3A-AA41DAF039F9}" type="datetimeFigureOut">
               <a:rPr lang="en-US" smtClean="0"/>
-              <a:t>9/8/2025</a:t>
+              <a:t>9/10/2025</a:t>
             </a:fld>
             <a:endParaRPr lang="en-US"/>
           </a:p>
@@ -2397,7 +2397,7 @@
           <a:p>
             <a:fld id="{8CFBE4D0-E68C-4FB2-8B3A-AA41DAF039F9}" type="datetimeFigureOut">
               <a:rPr lang="en-US" smtClean="0"/>
-              <a:t>9/8/2025</a:t>
+              <a:t>9/10/2025</a:t>
             </a:fld>
             <a:endParaRPr lang="en-US"/>
           </a:p>
@@ -2662,7 +2662,7 @@
           <a:p>
             <a:fld id="{8CFBE4D0-E68C-4FB2-8B3A-AA41DAF039F9}" type="datetimeFigureOut">
               <a:rPr lang="en-US" smtClean="0"/>
-              <a:t>9/8/2025</a:t>
+              <a:t>9/10/2025</a:t>
             </a:fld>
             <a:endParaRPr lang="en-US"/>
           </a:p>
@@ -3074,7 +3074,7 @@
           <a:p>
             <a:fld id="{8CFBE4D0-E68C-4FB2-8B3A-AA41DAF039F9}" type="datetimeFigureOut">
               <a:rPr lang="en-US" smtClean="0"/>
-              <a:t>9/8/2025</a:t>
+              <a:t>9/10/2025</a:t>
             </a:fld>
             <a:endParaRPr lang="en-US"/>
           </a:p>
@@ -3215,7 +3215,7 @@
           <a:p>
             <a:fld id="{8CFBE4D0-E68C-4FB2-8B3A-AA41DAF039F9}" type="datetimeFigureOut">
               <a:rPr lang="en-US" smtClean="0"/>
-              <a:t>9/8/2025</a:t>
+              <a:t>9/10/2025</a:t>
             </a:fld>
             <a:endParaRPr lang="en-US"/>
           </a:p>
@@ -3328,7 +3328,7 @@
           <a:p>
             <a:fld id="{8CFBE4D0-E68C-4FB2-8B3A-AA41DAF039F9}" type="datetimeFigureOut">
               <a:rPr lang="en-US" smtClean="0"/>
-              <a:t>9/8/2025</a:t>
+              <a:t>9/10/2025</a:t>
             </a:fld>
             <a:endParaRPr lang="en-US"/>
           </a:p>
@@ -3639,7 +3639,7 @@
           <a:p>
             <a:fld id="{8CFBE4D0-E68C-4FB2-8B3A-AA41DAF039F9}" type="datetimeFigureOut">
               <a:rPr lang="en-US" smtClean="0"/>
-              <a:t>9/8/2025</a:t>
+              <a:t>9/10/2025</a:t>
             </a:fld>
             <a:endParaRPr lang="en-US"/>
           </a:p>
@@ -3927,7 +3927,7 @@
           <a:p>
             <a:fld id="{8CFBE4D0-E68C-4FB2-8B3A-AA41DAF039F9}" type="datetimeFigureOut">
               <a:rPr lang="en-US" smtClean="0"/>
-              <a:t>9/8/2025</a:t>
+              <a:t>9/10/2025</a:t>
             </a:fld>
             <a:endParaRPr lang="en-US"/>
           </a:p>
@@ -4168,7 +4168,7 @@
           <a:p>
             <a:fld id="{8CFBE4D0-E68C-4FB2-8B3A-AA41DAF039F9}" type="datetimeFigureOut">
               <a:rPr lang="en-US" smtClean="0"/>
-              <a:t>9/8/2025</a:t>
+              <a:t>9/10/2025</a:t>
             </a:fld>
             <a:endParaRPr lang="en-US"/>
           </a:p>
@@ -5317,6 +5317,142 @@
   <p:clrMapOvr>
     <a:masterClrMapping/>
   </p:clrMapOvr>
+  <mc:AlternateContent xmlns:mc="http://schemas.openxmlformats.org/markup-compatibility/2006">
+    <mc:Choice xmlns:p14="http://schemas.microsoft.com/office/powerpoint/2010/main" Requires="p14">
+      <p:transition spd="slow" p14:dur="3400">
+        <p14:reveal/>
+      </p:transition>
+    </mc:Choice>
+    <mc:Fallback>
+      <p:transition spd="slow">
+        <p:fade/>
+      </p:transition>
+    </mc:Fallback>
+  </mc:AlternateContent>
+  <p:timing>
+    <p:tnLst>
+      <p:par>
+        <p:cTn id="1" dur="indefinite" restart="never" nodeType="tmRoot">
+          <p:childTnLst>
+            <p:seq concurrent="1" nextAc="seek">
+              <p:cTn id="2" dur="indefinite" nodeType="mainSeq">
+                <p:childTnLst>
+                  <p:par>
+                    <p:cTn id="3" fill="hold">
+                      <p:stCondLst>
+                        <p:cond delay="indefinite"/>
+                      </p:stCondLst>
+                      <p:childTnLst>
+                        <p:par>
+                          <p:cTn id="4" fill="hold">
+                            <p:stCondLst>
+                              <p:cond delay="0"/>
+                            </p:stCondLst>
+                            <p:childTnLst>
+                              <p:par>
+                                <p:cTn id="5" presetID="2" presetClass="entr" presetSubtype="4" fill="hold" grpId="0" nodeType="clickEffect">
+                                  <p:stCondLst>
+                                    <p:cond delay="0"/>
+                                  </p:stCondLst>
+                                  <p:childTnLst>
+                                    <p:set>
+                                      <p:cBhvr>
+                                        <p:cTn id="6" dur="1" fill="hold">
+                                          <p:stCondLst>
+                                            <p:cond delay="0"/>
+                                          </p:stCondLst>
+                                        </p:cTn>
+                                        <p:tgtEl>
+                                          <p:spTgt spid="9"/>
+                                        </p:tgtEl>
+                                        <p:attrNameLst>
+                                          <p:attrName>style.visibility</p:attrName>
+                                        </p:attrNameLst>
+                                      </p:cBhvr>
+                                      <p:to>
+                                        <p:strVal val="visible"/>
+                                      </p:to>
+                                    </p:set>
+                                    <p:anim calcmode="lin" valueType="num">
+                                      <p:cBhvr additive="base">
+                                        <p:cTn id="7" dur="500" fill="hold"/>
+                                        <p:tgtEl>
+                                          <p:spTgt spid="9"/>
+                                        </p:tgtEl>
+                                        <p:attrNameLst>
+                                          <p:attrName>ppt_x</p:attrName>
+                                        </p:attrNameLst>
+                                      </p:cBhvr>
+                                      <p:tavLst>
+                                        <p:tav tm="0">
+                                          <p:val>
+                                            <p:strVal val="#ppt_x"/>
+                                          </p:val>
+                                        </p:tav>
+                                        <p:tav tm="100000">
+                                          <p:val>
+                                            <p:strVal val="#ppt_x"/>
+                                          </p:val>
+                                        </p:tav>
+                                      </p:tavLst>
+                                    </p:anim>
+                                    <p:anim calcmode="lin" valueType="num">
+                                      <p:cBhvr additive="base">
+                                        <p:cTn id="8" dur="500" fill="hold"/>
+                                        <p:tgtEl>
+                                          <p:spTgt spid="9"/>
+                                        </p:tgtEl>
+                                        <p:attrNameLst>
+                                          <p:attrName>ppt_y</p:attrName>
+                                        </p:attrNameLst>
+                                      </p:cBhvr>
+                                      <p:tavLst>
+                                        <p:tav tm="0">
+                                          <p:val>
+                                            <p:strVal val="1+#ppt_h/2"/>
+                                          </p:val>
+                                        </p:tav>
+                                        <p:tav tm="100000">
+                                          <p:val>
+                                            <p:strVal val="#ppt_y"/>
+                                          </p:val>
+                                        </p:tav>
+                                      </p:tavLst>
+                                    </p:anim>
+                                  </p:childTnLst>
+                                </p:cTn>
+                              </p:par>
+                            </p:childTnLst>
+                          </p:cTn>
+                        </p:par>
+                      </p:childTnLst>
+                    </p:cTn>
+                  </p:par>
+                </p:childTnLst>
+              </p:cTn>
+              <p:prevCondLst>
+                <p:cond evt="onPrev" delay="0">
+                  <p:tgtEl>
+                    <p:sldTgt/>
+                  </p:tgtEl>
+                </p:cond>
+              </p:prevCondLst>
+              <p:nextCondLst>
+                <p:cond evt="onNext" delay="0">
+                  <p:tgtEl>
+                    <p:sldTgt/>
+                  </p:tgtEl>
+                </p:cond>
+              </p:nextCondLst>
+            </p:seq>
+          </p:childTnLst>
+        </p:cTn>
+      </p:par>
+    </p:tnLst>
+    <p:bldLst>
+      <p:bldP spid="9" grpId="0" animBg="1"/>
+    </p:bldLst>
+  </p:timing>
 </p:sld>
 </file>
 
@@ -8821,9 +8957,16 @@
             <p:ph type="title"/>
           </p:nvPr>
         </p:nvSpPr>
-        <p:spPr/>
+        <p:spPr>
+          <a:xfrm>
+            <a:off x="838200" y="365126"/>
+            <a:ext cx="3564835" cy="509518"/>
+          </a:xfrm>
+        </p:spPr>
         <p:txBody>
-          <a:bodyPr/>
+          <a:bodyPr>
+            <a:normAutofit fontScale="90000"/>
+          </a:bodyPr>
           <a:lstStyle/>
           <a:p>
             <a:pPr algn="ctr"/>
@@ -8853,73 +8996,90 @@
         </p:nvSpPr>
         <p:spPr>
           <a:xfrm>
-            <a:off x="838199" y="1825625"/>
-            <a:ext cx="10515591" cy="4667250"/>
+            <a:off x="737696" y="1428749"/>
+            <a:ext cx="10095956" cy="4842381"/>
           </a:xfrm>
         </p:spPr>
         <p:txBody>
-          <a:bodyPr/>
+          <a:bodyPr>
+            <a:normAutofit fontScale="85000" lnSpcReduction="20000"/>
+          </a:bodyPr>
           <a:lstStyle/>
+          <a:p>
+            <a:r>
+              <a:rPr lang="en-US" sz="3200" dirty="0"/>
+              <a:t>	</a:t>
+            </a:r>
+            <a:r>
+              <a:rPr lang="en-US" dirty="0"/>
+              <a:t>The </a:t>
+            </a:r>
+            <a:r>
+              <a:rPr lang="en-US" b="1" dirty="0"/>
+              <a:t>Employee Contact Management System</a:t>
+            </a:r>
+            <a:r>
+              <a:rPr lang="en-US" dirty="0"/>
+              <a:t> is a web-based application developed using </a:t>
+            </a:r>
+            <a:r>
+              <a:rPr lang="en-US" b="1" dirty="0" err="1"/>
+              <a:t>FastAPI</a:t>
+            </a:r>
+            <a:r>
+              <a:rPr lang="en-US" dirty="0"/>
+              <a:t> and </a:t>
+            </a:r>
+            <a:r>
+              <a:rPr lang="en-US" b="1" dirty="0"/>
+              <a:t>MongoDB</a:t>
+            </a:r>
+            <a:r>
+              <a:rPr lang="en-US" dirty="0"/>
+              <a:t> to efficiently store, manage, and retrieve employee contact information. The system is designed to streamline how organizations handle employee details such as name, phone number, email, and address.</a:t>
+            </a:r>
+          </a:p>
+          <a:p>
+            <a:r>
+              <a:rPr lang="en-US" dirty="0"/>
+              <a:t>With a  </a:t>
+            </a:r>
+            <a:r>
+              <a:rPr lang="en-US" b="1" dirty="0"/>
+              <a:t>CRUD (Create, Read, Update, Delete)</a:t>
+            </a:r>
+            <a:r>
+              <a:rPr lang="en-US" dirty="0"/>
+              <a:t> API structure, it provides easy integration with client applications and ensures secure, scalable, and high-performance data handling. By leveraging </a:t>
+            </a:r>
+            <a:r>
+              <a:rPr lang="en-US" b="1" dirty="0" err="1"/>
+              <a:t>FastAPI</a:t>
+            </a:r>
+            <a:r>
+              <a:rPr lang="en-US" dirty="0"/>
+              <a:t>, the system benefits from asynchronous programming, automatic data validation, and interactive API documentation (Swagger UI). On the backend, </a:t>
+            </a:r>
+            <a:r>
+              <a:rPr lang="en-US" b="1" dirty="0"/>
+              <a:t>MongoDB</a:t>
+            </a:r>
+            <a:r>
+              <a:rPr lang="en-US" dirty="0"/>
+              <a:t> offers flexible schema-less data storage using BSON, making it well-suited for dynamic and evolving employee information.</a:t>
+            </a:r>
+          </a:p>
+          <a:p>
+            <a:r>
+              <a:rPr lang="en-US" dirty="0"/>
+              <a:t>This project demonstrates how modern API-driven architectures can be applied to real-world use cases like employee management, ensuring data accessibility, accuracy, and maintainability. It also serves as an excellent proof-of-concept for building production-ready REST APIs with Python and NoSQL databases</a:t>
+            </a:r>
+          </a:p>
           <a:p>
             <a:pPr marL="0" indent="0" algn="just">
               <a:buNone/>
             </a:pPr>
-            <a:r>
-              <a:rPr lang="en-US" sz="3200" dirty="0"/>
-              <a:t>	</a:t>
-            </a:r>
-            <a:r>
-              <a:rPr lang="en-IN" dirty="0"/>
-              <a:t>In this Project we are going to look how an organization saves the employee details(</a:t>
-            </a:r>
-            <a:r>
-              <a:rPr lang="en-IN" dirty="0" err="1"/>
-              <a:t>Profesional</a:t>
-            </a:r>
-            <a:r>
-              <a:rPr lang="en-IN" dirty="0"/>
-              <a:t> (</a:t>
-            </a:r>
-            <a:r>
-              <a:rPr lang="en-IN" dirty="0" err="1"/>
-              <a:t>department,position</a:t>
-            </a:r>
-            <a:r>
-              <a:rPr lang="en-IN" dirty="0"/>
-              <a:t>) and emergency contact details) in database(MONGO DB)by using FASTAPI. Here, we are using CRUD(</a:t>
-            </a:r>
-            <a:r>
-              <a:rPr lang="en-IN" dirty="0" err="1"/>
-              <a:t>Create,Read,Update,Delete</a:t>
-            </a:r>
-            <a:r>
-              <a:rPr lang="en-IN" dirty="0"/>
-              <a:t>)operations to create a user employee Create Endpoint was used, to check the employee details Read Endpoint was used, to update the employee details(</a:t>
-            </a:r>
-            <a:r>
-              <a:rPr lang="en-IN" dirty="0" err="1"/>
-              <a:t>i.e</a:t>
-            </a:r>
-            <a:r>
-              <a:rPr lang="en-IN" dirty="0"/>
-              <a:t> the employee promotion </a:t>
-            </a:r>
-            <a:r>
-              <a:rPr lang="en-IN" dirty="0" err="1"/>
-              <a:t>updation</a:t>
-            </a:r>
-            <a:r>
-              <a:rPr lang="en-IN" dirty="0"/>
-              <a:t> or employee contact details information </a:t>
-            </a:r>
-            <a:r>
-              <a:rPr lang="en-IN" dirty="0" err="1"/>
-              <a:t>updation</a:t>
-            </a:r>
-            <a:r>
-              <a:rPr lang="en-IN" dirty="0"/>
-              <a:t>) If an employee gets off from the organization to remove the employee details from the organization Delete operation was used. Lets dive deep into know more</a:t>
-            </a:r>
+            <a:endParaRPr lang="en-IN" dirty="0"/>
           </a:p>
         </p:txBody>
       </p:sp>
@@ -9139,7 +9299,7 @@
         </p:nvSpPr>
         <p:spPr>
           <a:xfrm>
-            <a:off x="6892178" y="5509860"/>
+            <a:off x="7359317" y="6198786"/>
             <a:ext cx="229893" cy="229893"/>
           </a:xfrm>
           <a:prstGeom prst="flowChartConnector">
@@ -9173,7 +9333,7 @@
           <a:lstStyle/>
           <a:p>
             <a:pPr algn="ctr"/>
-            <a:endParaRPr lang="en-US"/>
+            <a:endParaRPr lang="en-US" dirty="0"/>
           </a:p>
         </p:txBody>
       </p:sp>
@@ -9385,6 +9545,79 @@
   <p:clrMapOvr>
     <a:masterClrMapping/>
   </p:clrMapOvr>
+  <p:timing>
+    <p:tnLst>
+      <p:par>
+        <p:cTn id="1" dur="indefinite" restart="never" nodeType="tmRoot">
+          <p:childTnLst>
+            <p:seq concurrent="1" nextAc="seek">
+              <p:cTn id="2" dur="indefinite" nodeType="mainSeq">
+                <p:childTnLst>
+                  <p:par>
+                    <p:cTn id="3" fill="hold">
+                      <p:stCondLst>
+                        <p:cond delay="indefinite"/>
+                      </p:stCondLst>
+                      <p:childTnLst>
+                        <p:par>
+                          <p:cTn id="4" fill="hold">
+                            <p:stCondLst>
+                              <p:cond delay="0"/>
+                            </p:stCondLst>
+                            <p:childTnLst>
+                              <p:par>
+                                <p:cTn id="5" presetID="37" presetClass="path" presetSubtype="0" accel="50000" decel="50000" fill="hold" grpId="0" nodeType="clickEffect">
+                                  <p:stCondLst>
+                                    <p:cond delay="0"/>
+                                  </p:stCondLst>
+                                  <p:childTnLst>
+                                    <p:animMotion origin="layout" path="M -3.95833E-6 2.22222E-6 L 0.06706 0.04004 C 0.08099 0.04907 0.10196 0.05393 0.12396 0.05393 C 0.14896 0.05393 0.16901 0.04907 0.18295 0.04004 L 0.25 2.22222E-6 " pathEditMode="relative" rAng="0" ptsTypes="AAAAA">
+                                      <p:cBhvr>
+                                        <p:cTn id="6" dur="2000" fill="hold"/>
+                                        <p:tgtEl>
+                                          <p:spTgt spid="2"/>
+                                        </p:tgtEl>
+                                        <p:attrNameLst>
+                                          <p:attrName>ppt_x</p:attrName>
+                                          <p:attrName>ppt_y</p:attrName>
+                                        </p:attrNameLst>
+                                      </p:cBhvr>
+                                      <p:rCtr x="12500" y="2685"/>
+                                    </p:animMotion>
+                                  </p:childTnLst>
+                                </p:cTn>
+                              </p:par>
+                            </p:childTnLst>
+                          </p:cTn>
+                        </p:par>
+                      </p:childTnLst>
+                    </p:cTn>
+                  </p:par>
+                </p:childTnLst>
+              </p:cTn>
+              <p:prevCondLst>
+                <p:cond evt="onPrev" delay="0">
+                  <p:tgtEl>
+                    <p:sldTgt/>
+                  </p:tgtEl>
+                </p:cond>
+              </p:prevCondLst>
+              <p:nextCondLst>
+                <p:cond evt="onNext" delay="0">
+                  <p:tgtEl>
+                    <p:sldTgt/>
+                  </p:tgtEl>
+                </p:cond>
+              </p:nextCondLst>
+            </p:seq>
+          </p:childTnLst>
+        </p:cTn>
+      </p:par>
+    </p:tnLst>
+    <p:bldLst>
+      <p:bldP spid="2" grpId="0"/>
+    </p:bldLst>
+  </p:timing>
 </p:sld>
 </file>
 
@@ -9565,7 +9798,7 @@
         </p:blipFill>
         <p:spPr>
           <a:xfrm>
-            <a:off x="587734" y="1262270"/>
+            <a:off x="587734" y="1242392"/>
             <a:ext cx="10460480" cy="5371893"/>
           </a:xfrm>
         </p:spPr>
@@ -9584,7 +9817,7 @@
         </p:nvSpPr>
         <p:spPr>
           <a:xfrm>
-            <a:off x="3369365" y="4820478"/>
+            <a:off x="3498574" y="5615608"/>
             <a:ext cx="3369365" cy="993913"/>
           </a:xfrm>
           <a:prstGeom prst="rect">
@@ -16298,6 +16531,18 @@
   <p:clrMapOvr>
     <a:masterClrMapping/>
   </p:clrMapOvr>
+  <mc:AlternateContent xmlns:mc="http://schemas.openxmlformats.org/markup-compatibility/2006">
+    <mc:Choice xmlns:p159="http://schemas.microsoft.com/office/powerpoint/2015/09/main" Requires="p159">
+      <p:transition xmlns:p14="http://schemas.microsoft.com/office/powerpoint/2010/main" spd="slow" p14:dur="2000">
+        <p159:morph option="byObject"/>
+      </p:transition>
+    </mc:Choice>
+    <mc:Fallback>
+      <p:transition spd="slow">
+        <p:fade/>
+      </p:transition>
+    </mc:Fallback>
+  </mc:AlternateContent>
 </p:sld>
 </file>
 
@@ -16703,6 +16948,9 @@
   <p:clrMapOvr>
     <a:masterClrMapping/>
   </p:clrMapOvr>
+  <p:transition spd="slow">
+    <p:push dir="u"/>
+  </p:transition>
 </p:sld>
 </file>
 
@@ -17080,6 +17328,9 @@
   <p:clrMapOvr>
     <a:masterClrMapping/>
   </p:clrMapOvr>
+  <p:transition spd="slow">
+    <p:push dir="u"/>
+  </p:transition>
 </p:sld>
 </file>
 
@@ -17473,6 +17724,18 @@
   <p:clrMapOvr>
     <a:masterClrMapping/>
   </p:clrMapOvr>
+  <mc:AlternateContent xmlns:mc="http://schemas.openxmlformats.org/markup-compatibility/2006">
+    <mc:Choice xmlns:p14="http://schemas.microsoft.com/office/powerpoint/2010/main" Requires="p14">
+      <p:transition spd="med" p14:dur="700">
+        <p:fade/>
+      </p:transition>
+    </mc:Choice>
+    <mc:Fallback>
+      <p:transition spd="med">
+        <p:fade/>
+      </p:transition>
+    </mc:Fallback>
+  </mc:AlternateContent>
 </p:sld>
 </file>
 
